--- a/slide/template.pptx
+++ b/slide/template.pptx
@@ -3212,8 +3212,8 @@
         </p:nvSpPr>
         <p:spPr>
           <a:xfrm rot="0">
-            <a:off x="850974" y="2332416"/>
-            <a:ext cx="16408332" cy="2084083"/>
+            <a:off x="850974" y="3128592"/>
+            <a:ext cx="16408332" cy="1287908"/>
           </a:xfrm>
           <a:prstGeom prst="rect">
             <a:avLst/>
@@ -3227,11 +3227,11 @@
           <a:p>
             <a:pPr algn="l">
               <a:lnSpc>
-                <a:spcPts val="15250"/>
+                <a:spcPts val="9464"/>
               </a:lnSpc>
             </a:pPr>
             <a:r>
-              <a:rPr lang="en-US" sz="16758" spc="83">
+              <a:rPr lang="en-US" sz="10400" spc="52">
                 <a:solidFill>
                   <a:srgbClr val="2B2C30"/>
                 </a:solidFill>
